--- a/slides-zh/03.导数、逆向传播和复杂度.pptx
+++ b/slides-zh/03.导数、逆向传播和复杂度.pptx
@@ -647,9 +647,7 @@
           <p:nvPr/>
         </p:nvPicPr>
         <p:blipFill>
-          <a:blip r:embed="rId2">
-            <a:extLst/>
-          </a:blip>
+          <a:blip r:embed="rId2"/>
           <a:srcRect t="32048" b="32048"/>
           <a:stretch>
             <a:fillRect/>
@@ -729,9 +727,7 @@
           <p:nvPr/>
         </p:nvPicPr>
         <p:blipFill>
-          <a:blip r:embed="rId2">
-            <a:extLst/>
-          </a:blip>
+          <a:blip r:embed="rId2"/>
           <a:srcRect t="32048" b="32048"/>
           <a:stretch>
             <a:fillRect/>
@@ -811,9 +807,7 @@
           <p:nvPr/>
         </p:nvPicPr>
         <p:blipFill>
-          <a:blip r:embed="rId2">
-            <a:extLst/>
-          </a:blip>
+          <a:blip r:embed="rId2"/>
           <a:stretch>
             <a:fillRect/>
           </a:stretch>
@@ -968,9 +962,7 @@
           <p:nvPr/>
         </p:nvPicPr>
         <p:blipFill>
-          <a:blip r:embed="rId2">
-            <a:extLst/>
-          </a:blip>
+          <a:blip r:embed="rId2"/>
           <a:srcRect t="32048" b="32048"/>
           <a:stretch>
             <a:fillRect/>
@@ -1299,9 +1291,7 @@
           <p:nvPr/>
         </p:nvPicPr>
         <p:blipFill>
-          <a:blip r:embed="rId2">
-            <a:extLst/>
-          </a:blip>
+          <a:blip r:embed="rId2"/>
           <a:srcRect t="32048" b="32048"/>
           <a:stretch>
             <a:fillRect/>
@@ -1414,9 +1404,7 @@
           <p:nvPr/>
         </p:nvPicPr>
         <p:blipFill>
-          <a:blip r:embed="rId2">
-            <a:extLst/>
-          </a:blip>
+          <a:blip r:embed="rId2"/>
           <a:srcRect t="32048" b="32048"/>
           <a:stretch>
             <a:fillRect/>
@@ -1596,9 +1584,7 @@
           <p:nvPr/>
         </p:nvPicPr>
         <p:blipFill>
-          <a:blip r:embed="rId2">
-            <a:extLst/>
-          </a:blip>
+          <a:blip r:embed="rId2"/>
           <a:srcRect t="32048" b="32048"/>
           <a:stretch>
             <a:fillRect/>
@@ -1823,9 +1809,7 @@
           <p:nvPr/>
         </p:nvPicPr>
         <p:blipFill>
-          <a:blip r:embed="rId2">
-            <a:extLst/>
-          </a:blip>
+          <a:blip r:embed="rId2"/>
           <a:srcRect t="32048" b="32048"/>
           <a:stretch>
             <a:fillRect/>
@@ -2281,9 +2265,7 @@
           <p:nvPr/>
         </p:nvPicPr>
         <p:blipFill>
-          <a:blip r:embed="rId2">
-            <a:extLst/>
-          </a:blip>
+          <a:blip r:embed="rId2"/>
           <a:srcRect t="32048" b="32048"/>
           <a:stretch>
             <a:fillRect/>
@@ -2875,9 +2857,7 @@
           <p:nvPr/>
         </p:nvPicPr>
         <p:blipFill>
-          <a:blip r:embed="rId2">
-            <a:extLst/>
-          </a:blip>
+          <a:blip r:embed="rId2"/>
           <a:srcRect t="32048" b="32048"/>
           <a:stretch>
             <a:fillRect/>
@@ -2994,9 +2974,7 @@
           <p:nvPr/>
         </p:nvPicPr>
         <p:blipFill>
-          <a:blip r:embed="rId2">
-            <a:extLst/>
-          </a:blip>
+          <a:blip r:embed="rId2"/>
           <a:srcRect t="32048" b="32048"/>
           <a:stretch>
             <a:fillRect/>
@@ -3098,7 +3076,7 @@
           </a:ln>
           <a:extLst>
             <a:ext uri="{C572A759-6A51-4108-AA02-DFA0A04FC94B}">
-              <ma14:wrappingTextBoxFlag xmlns="" xmlns:m="http://schemas.openxmlformats.org/officeDocument/2006/math" xmlns:a14="http://schemas.microsoft.com/office/drawing/2010/main" xmlns:ma14="http://schemas.microsoft.com/office/mac/drawingml/2011/main" val="1"/>
+              <ma14:wrappingTextBoxFlag xmlns:ma14="http://schemas.microsoft.com/office/mac/drawingml/2011/main" xmlns:a14="http://schemas.microsoft.com/office/drawing/2010/main" xmlns:m="http://schemas.openxmlformats.org/officeDocument/2006/math" xmlns="" val="1"/>
             </a:ext>
           </a:extLst>
         </p:spPr>
@@ -3137,7 +3115,7 @@
           </a:ln>
           <a:extLst>
             <a:ext uri="{C572A759-6A51-4108-AA02-DFA0A04FC94B}">
-              <ma14:wrappingTextBoxFlag xmlns="" xmlns:m="http://schemas.openxmlformats.org/officeDocument/2006/math" xmlns:a14="http://schemas.microsoft.com/office/drawing/2010/main" xmlns:ma14="http://schemas.microsoft.com/office/mac/drawingml/2011/main" val="1"/>
+              <ma14:wrappingTextBoxFlag xmlns:ma14="http://schemas.microsoft.com/office/mac/drawingml/2011/main" xmlns:a14="http://schemas.microsoft.com/office/drawing/2010/main" xmlns:m="http://schemas.openxmlformats.org/officeDocument/2006/math" xmlns="" val="1"/>
             </a:ext>
           </a:extLst>
         </p:spPr>
@@ -3195,9 +3173,7 @@
           <p:nvPr/>
         </p:nvPicPr>
         <p:blipFill>
-          <a:blip r:embed="rId14">
-            <a:extLst/>
-          </a:blip>
+          <a:blip r:embed="rId14"/>
           <a:srcRect t="32048" b="32048"/>
           <a:stretch>
             <a:fillRect/>
@@ -4019,7 +3995,7 @@
           </a:prstGeom>
           <a:extLst>
             <a:ext uri="{C572A759-6A51-4108-AA02-DFA0A04FC94B}">
-              <ma14:wrappingTextBoxFlag xmlns:ma14="http://schemas.microsoft.com/office/mac/drawingml/2011/main" xmlns:a14="http://schemas.microsoft.com/office/drawing/2010/main" xmlns:m="http://schemas.openxmlformats.org/officeDocument/2006/math" xmlns="" val="1"/>
+              <ma14:wrappingTextBoxFlag xmlns="" xmlns:m="http://schemas.openxmlformats.org/officeDocument/2006/math" xmlns:a14="http://schemas.microsoft.com/office/drawing/2010/main" xmlns:ma14="http://schemas.microsoft.com/office/mac/drawingml/2011/main" val="1"/>
             </a:ext>
           </a:extLst>
         </p:spPr>
@@ -4064,7 +4040,7 @@
           </a:prstGeom>
           <a:extLst>
             <a:ext uri="{C572A759-6A51-4108-AA02-DFA0A04FC94B}">
-              <ma14:wrappingTextBoxFlag xmlns:ma14="http://schemas.microsoft.com/office/mac/drawingml/2011/main" xmlns:a14="http://schemas.microsoft.com/office/drawing/2010/main" xmlns:m="http://schemas.openxmlformats.org/officeDocument/2006/math" xmlns="" val="1"/>
+              <ma14:wrappingTextBoxFlag xmlns="" xmlns:m="http://schemas.openxmlformats.org/officeDocument/2006/math" xmlns:a14="http://schemas.microsoft.com/office/drawing/2010/main" xmlns:ma14="http://schemas.microsoft.com/office/mac/drawingml/2011/main" val="1"/>
             </a:ext>
           </a:extLst>
         </p:spPr>
@@ -4096,11 +4072,11 @@
             </a:r>
             <a:r>
               <a:rPr lang="zh-CN" altLang="en-US" dirty="0"/>
-              <a:t>、</a:t>
+              <a:t>、反向</a:t>
             </a:r>
             <a:r>
               <a:rPr lang="ja-JP" altLang="en-US"/>
-              <a:t>逆向传播和复杂度</a:t>
+              <a:t>传播和复杂度</a:t>
             </a:r>
             <a:endParaRPr dirty="0"/>
           </a:p>
@@ -7876,8 +7852,8 @@
         </p:nvSpPr>
         <p:spPr>
           <a:xfrm rot="16200000">
-            <a:off x="4466691" y="1933071"/>
-            <a:ext cx="317501" cy="564986"/>
+            <a:off x="4326555" y="1915632"/>
+            <a:ext cx="597773" cy="564986"/>
           </a:xfrm>
           <a:prstGeom prst="rect">
             <a:avLst/>
@@ -7917,8 +7893,8 @@
         </p:nvSpPr>
         <p:spPr>
           <a:xfrm rot="16200000">
-            <a:off x="6044556" y="1887891"/>
-            <a:ext cx="448013" cy="564986"/>
+            <a:off x="5946107" y="1892063"/>
+            <a:ext cx="644911" cy="564986"/>
           </a:xfrm>
           <a:prstGeom prst="rect">
             <a:avLst/>
@@ -8112,8 +8088,8 @@
         </p:nvSpPr>
         <p:spPr>
           <a:xfrm>
-            <a:off x="1546643" y="2150814"/>
-            <a:ext cx="317501" cy="317501"/>
+            <a:off x="1546643" y="1940158"/>
+            <a:ext cx="281569" cy="603625"/>
           </a:xfrm>
           <a:prstGeom prst="rect">
             <a:avLst/>
@@ -8366,8 +8342,8 @@
           </p:sp>
         </mc:Fallback>
       </mc:AlternateContent>
-      <mc:AlternateContent xmlns:mc="http://schemas.openxmlformats.org/markup-compatibility/2006" xmlns:a14="http://schemas.microsoft.com/office/drawing/2010/main">
-        <mc:Choice Requires="a14">
+      <mc:AlternateContent xmlns:mc="http://schemas.openxmlformats.org/markup-compatibility/2006">
+        <mc:Choice xmlns:a14="http://schemas.microsoft.com/office/drawing/2010/main" Requires="a14">
           <p:sp>
             <p:nvSpPr>
               <p:cNvPr id="369" name="Equation"/>
@@ -8376,8 +8352,8 @@
             </p:nvSpPr>
             <p:spPr>
               <a:xfrm>
-                <a:off x="1657098" y="2252031"/>
-                <a:ext cx="114555" cy="164593"/>
+                <a:off x="1655066" y="2116955"/>
+                <a:ext cx="116587" cy="307777"/>
               </a:xfrm>
               <a:prstGeom prst="rect">
                 <a:avLst/>
@@ -8387,7 +8363,7 @@
               </a:ln>
             </p:spPr>
             <p:txBody>
-              <a:bodyPr wrap="none" lIns="0" tIns="0" rIns="0" bIns="0">
+              <a:bodyPr wrap="square" lIns="0" tIns="0" rIns="0" bIns="0">
                 <a:spAutoFit/>
               </a:bodyPr>
               <a:lstStyle/>
@@ -8417,12 +8393,12 @@
                     </m:oMath>
                   </m:oMathPara>
                 </a14:m>
-                <a:endParaRPr sz="2000"/>
+                <a:endParaRPr sz="2000" dirty="0"/>
               </a:p>
             </p:txBody>
           </p:sp>
         </mc:Choice>
-        <mc:Fallback xmlns="">
+        <mc:Fallback>
           <p:sp>
             <p:nvSpPr>
               <p:cNvPr id="369" name="Equation"/>
@@ -8433,8 +8409,8 @@
             </p:nvSpPr>
             <p:spPr>
               <a:xfrm>
-                <a:off x="1657098" y="2252031"/>
-                <a:ext cx="114555" cy="164593"/>
+                <a:off x="1655066" y="2116955"/>
+                <a:ext cx="116587" cy="307777"/>
               </a:xfrm>
               <a:prstGeom prst="rect">
                 <a:avLst/>
@@ -8442,7 +8418,7 @@
               <a:blipFill>
                 <a:blip r:embed="rId3"/>
                 <a:stretch>
-                  <a:fillRect l="-54545" r="-72727" b="-114286"/>
+                  <a:fillRect l="-54545" r="-72727" b="-20000"/>
                 </a:stretch>
               </a:blipFill>
               <a:ln w="12700">
@@ -8454,7 +8430,7 @@
               <a:lstStyle/>
               <a:p>
                 <a:r>
-                  <a:rPr lang="en-US">
+                  <a:rPr lang="zh-CN" altLang="en-US">
                     <a:noFill/>
                   </a:rPr>
                   <a:t> </a:t>
@@ -8656,7 +8632,7 @@
                     </m:oMath>
                   </m:oMathPara>
                 </a14:m>
-                <a:endParaRPr sz="2000"/>
+                <a:endParaRPr sz="2000" dirty="0"/>
               </a:p>
             </p:txBody>
           </p:sp>
@@ -8993,8 +8969,8 @@
         </p:nvSpPr>
         <p:spPr>
           <a:xfrm>
-            <a:off x="2923736" y="2142631"/>
-            <a:ext cx="317501" cy="317501"/>
+            <a:off x="2923736" y="1931719"/>
+            <a:ext cx="341078" cy="603625"/>
           </a:xfrm>
           <a:prstGeom prst="rect">
             <a:avLst/>
@@ -9026,8 +9002,8 @@
           </a:p>
         </p:txBody>
       </p:sp>
-      <mc:AlternateContent xmlns:mc="http://schemas.openxmlformats.org/markup-compatibility/2006" xmlns:a14="http://schemas.microsoft.com/office/drawing/2010/main">
-        <mc:Choice Requires="a14">
+      <mc:AlternateContent xmlns:mc="http://schemas.openxmlformats.org/markup-compatibility/2006">
+        <mc:Choice xmlns:a14="http://schemas.microsoft.com/office/drawing/2010/main" Requires="a14">
           <p:sp>
             <p:nvSpPr>
               <p:cNvPr id="375" name="Equation"/>
@@ -9036,7 +9012,7 @@
             </p:nvSpPr>
             <p:spPr>
               <a:xfrm>
-                <a:off x="2930032" y="2021141"/>
+                <a:off x="2936435" y="1940158"/>
                 <a:ext cx="292101" cy="542291"/>
               </a:xfrm>
               <a:prstGeom prst="rect">
@@ -9120,12 +9096,12 @@
                     </m:oMath>
                   </m:oMathPara>
                 </a14:m>
-                <a:endParaRPr sz="2000"/>
+                <a:endParaRPr sz="2000" dirty="0"/>
               </a:p>
             </p:txBody>
           </p:sp>
         </mc:Choice>
-        <mc:Fallback xmlns="">
+        <mc:Fallback>
           <p:sp>
             <p:nvSpPr>
               <p:cNvPr id="375" name="Equation"/>
@@ -9136,7 +9112,7 @@
             </p:nvSpPr>
             <p:spPr>
               <a:xfrm>
-                <a:off x="2930032" y="2021141"/>
+                <a:off x="2936435" y="1940158"/>
                 <a:ext cx="292101" cy="542291"/>
               </a:xfrm>
               <a:prstGeom prst="rect">
@@ -9145,7 +9121,7 @@
               <a:blipFill>
                 <a:blip r:embed="rId8"/>
                 <a:stretch>
-                  <a:fillRect l="-29167" r="-20833" b="-20455"/>
+                  <a:fillRect l="-33333" t="-4651" r="-37500" b="-23256"/>
                 </a:stretch>
               </a:blipFill>
               <a:ln w="12700">
@@ -9157,7 +9133,7 @@
               <a:lstStyle/>
               <a:p>
                 <a:r>
-                  <a:rPr lang="en-US">
+                  <a:rPr lang="zh-CN" altLang="en-US">
                     <a:noFill/>
                   </a:rPr>
                   <a:t> </a:t>
@@ -9284,7 +9260,7 @@
           </a:ln>
           <a:extLst>
             <a:ext uri="{C572A759-6A51-4108-AA02-DFA0A04FC94B}">
-              <ma14:wrappingTextBoxFlag xmlns="" xmlns:m="http://schemas.openxmlformats.org/officeDocument/2006/math" xmlns:a14="http://schemas.microsoft.com/office/drawing/2010/main" xmlns:ma14="http://schemas.microsoft.com/office/mac/drawingml/2011/main" val="1"/>
+              <ma14:wrappingTextBoxFlag xmlns:ma14="http://schemas.microsoft.com/office/mac/drawingml/2011/main" xmlns:a14="http://schemas.microsoft.com/office/drawing/2010/main" xmlns:m="http://schemas.openxmlformats.org/officeDocument/2006/math" xmlns="" val="1"/>
             </a:ext>
           </a:extLst>
         </p:spPr>
@@ -9329,7 +9305,7 @@
           </a:ln>
           <a:extLst>
             <a:ext uri="{C572A759-6A51-4108-AA02-DFA0A04FC94B}">
-              <ma14:wrappingTextBoxFlag xmlns="" xmlns:m="http://schemas.openxmlformats.org/officeDocument/2006/math" xmlns:a14="http://schemas.microsoft.com/office/drawing/2010/main" xmlns:ma14="http://schemas.microsoft.com/office/mac/drawingml/2011/main" val="1"/>
+              <ma14:wrappingTextBoxFlag xmlns:ma14="http://schemas.microsoft.com/office/mac/drawingml/2011/main" xmlns:a14="http://schemas.microsoft.com/office/drawing/2010/main" xmlns:m="http://schemas.openxmlformats.org/officeDocument/2006/math" xmlns="" val="1"/>
             </a:ext>
           </a:extLst>
         </p:spPr>
@@ -9374,7 +9350,7 @@
           </a:ln>
           <a:extLst>
             <a:ext uri="{C572A759-6A51-4108-AA02-DFA0A04FC94B}">
-              <ma14:wrappingTextBoxFlag xmlns="" xmlns:m="http://schemas.openxmlformats.org/officeDocument/2006/math" xmlns:a14="http://schemas.microsoft.com/office/drawing/2010/main" xmlns:ma14="http://schemas.microsoft.com/office/mac/drawingml/2011/main" val="1"/>
+              <ma14:wrappingTextBoxFlag xmlns:ma14="http://schemas.microsoft.com/office/mac/drawingml/2011/main" xmlns:a14="http://schemas.microsoft.com/office/drawing/2010/main" xmlns:m="http://schemas.openxmlformats.org/officeDocument/2006/math" xmlns="" val="1"/>
             </a:ext>
           </a:extLst>
         </p:spPr>
@@ -9632,7 +9608,7 @@
                     </m:oMath>
                   </m:oMathPara>
                 </a14:m>
-                <a:endParaRPr sz="2000"/>
+                <a:endParaRPr sz="2000" dirty="0"/>
               </a:p>
             </p:txBody>
           </p:sp>
@@ -9837,7 +9813,7 @@
           </a:ln>
           <a:extLst>
             <a:ext uri="{C572A759-6A51-4108-AA02-DFA0A04FC94B}">
-              <ma14:wrappingTextBoxFlag xmlns="" xmlns:m="http://schemas.openxmlformats.org/officeDocument/2006/math" xmlns:a14="http://schemas.microsoft.com/office/drawing/2010/main" xmlns:ma14="http://schemas.microsoft.com/office/mac/drawingml/2011/main" val="1"/>
+              <ma14:wrappingTextBoxFlag xmlns:ma14="http://schemas.microsoft.com/office/mac/drawingml/2011/main" xmlns:a14="http://schemas.microsoft.com/office/drawing/2010/main" xmlns:m="http://schemas.openxmlformats.org/officeDocument/2006/math" xmlns="" val="1"/>
             </a:ext>
           </a:extLst>
         </p:spPr>
@@ -10323,7 +10299,7 @@
                     </m:oMath>
                   </m:oMathPara>
                 </a14:m>
-                <a:endParaRPr/>
+                <a:endParaRPr dirty="0"/>
               </a:p>
             </p:txBody>
           </p:sp>
@@ -13023,7 +12999,7 @@
           </a:ln>
           <a:extLst>
             <a:ext uri="{C572A759-6A51-4108-AA02-DFA0A04FC94B}">
-              <ma14:wrappingTextBoxFlag xmlns="" xmlns:m="http://schemas.openxmlformats.org/officeDocument/2006/math" xmlns:a14="http://schemas.microsoft.com/office/drawing/2010/main" xmlns:ma14="http://schemas.microsoft.com/office/mac/drawingml/2011/main" val="1"/>
+              <ma14:wrappingTextBoxFlag xmlns:ma14="http://schemas.microsoft.com/office/mac/drawingml/2011/main" xmlns:a14="http://schemas.microsoft.com/office/drawing/2010/main" xmlns:m="http://schemas.openxmlformats.org/officeDocument/2006/math" xmlns="" val="1"/>
             </a:ext>
           </a:extLst>
         </p:spPr>
@@ -13068,7 +13044,7 @@
           </a:ln>
           <a:extLst>
             <a:ext uri="{C572A759-6A51-4108-AA02-DFA0A04FC94B}">
-              <ma14:wrappingTextBoxFlag xmlns="" xmlns:m="http://schemas.openxmlformats.org/officeDocument/2006/math" xmlns:a14="http://schemas.microsoft.com/office/drawing/2010/main" xmlns:ma14="http://schemas.microsoft.com/office/mac/drawingml/2011/main" val="1"/>
+              <ma14:wrappingTextBoxFlag xmlns:ma14="http://schemas.microsoft.com/office/mac/drawingml/2011/main" xmlns:a14="http://schemas.microsoft.com/office/drawing/2010/main" xmlns:m="http://schemas.openxmlformats.org/officeDocument/2006/math" xmlns="" val="1"/>
             </a:ext>
           </a:extLst>
         </p:spPr>
@@ -13595,9 +13571,7 @@
           <p:nvPr/>
         </p:nvPicPr>
         <p:blipFill>
-          <a:blip r:embed="rId2">
-            <a:extLst/>
-          </a:blip>
+          <a:blip r:embed="rId2"/>
           <a:stretch>
             <a:fillRect/>
           </a:stretch>
@@ -18539,9 +18513,7 @@
           <p:nvPr/>
         </p:nvPicPr>
         <p:blipFill>
-          <a:blip r:embed="rId2">
-            <a:extLst/>
-          </a:blip>
+          <a:blip r:embed="rId2"/>
           <a:srcRect l="19987" r="42415"/>
           <a:stretch>
             <a:fillRect/>
@@ -18703,8 +18675,12 @@
               <a:defRPr b="1"/>
             </a:pPr>
             <a:r>
+              <a:rPr lang="zh-CN" altLang="en-US" dirty="0"/>
+              <a:t>反向</a:t>
+            </a:r>
+            <a:r>
               <a:rPr lang="ja-JP" altLang="en-US"/>
-              <a:t>逆向传播</a:t>
+              <a:t>传播</a:t>
             </a:r>
           </a:p>
           <a:p>
@@ -18876,9 +18852,7 @@
           <p:nvPr/>
         </p:nvPicPr>
         <p:blipFill>
-          <a:blip r:embed="rId2">
-            <a:extLst/>
-          </a:blip>
+          <a:blip r:embed="rId2"/>
           <a:srcRect r="59832" b="78887"/>
           <a:stretch>
             <a:fillRect/>
@@ -20587,7 +20561,7 @@
           </a:ln>
           <a:extLst>
             <a:ext uri="{C572A759-6A51-4108-AA02-DFA0A04FC94B}">
-              <ma14:wrappingTextBoxFlag xmlns="" xmlns:m="http://schemas.openxmlformats.org/officeDocument/2006/math" xmlns:a14="http://schemas.microsoft.com/office/drawing/2010/main" xmlns:ma14="http://schemas.microsoft.com/office/mac/drawingml/2011/main" val="1"/>
+              <ma14:wrappingTextBoxFlag xmlns:ma14="http://schemas.microsoft.com/office/mac/drawingml/2011/main" xmlns:a14="http://schemas.microsoft.com/office/drawing/2010/main" xmlns:m="http://schemas.openxmlformats.org/officeDocument/2006/math" xmlns="" val="1"/>
             </a:ext>
           </a:extLst>
         </p:spPr>
@@ -20789,7 +20763,7 @@
           </a:ln>
           <a:extLst>
             <a:ext uri="{C572A759-6A51-4108-AA02-DFA0A04FC94B}">
-              <ma14:wrappingTextBoxFlag xmlns="" xmlns:m="http://schemas.openxmlformats.org/officeDocument/2006/math" xmlns:a14="http://schemas.microsoft.com/office/drawing/2010/main" xmlns:ma14="http://schemas.microsoft.com/office/mac/drawingml/2011/main" val="1"/>
+              <ma14:wrappingTextBoxFlag xmlns:ma14="http://schemas.microsoft.com/office/mac/drawingml/2011/main" xmlns:a14="http://schemas.microsoft.com/office/drawing/2010/main" xmlns:m="http://schemas.openxmlformats.org/officeDocument/2006/math" xmlns="" val="1"/>
             </a:ext>
           </a:extLst>
         </p:spPr>
@@ -21228,7 +21202,7 @@
           </a:ln>
           <a:extLst>
             <a:ext uri="{C572A759-6A51-4108-AA02-DFA0A04FC94B}">
-              <ma14:wrappingTextBoxFlag xmlns="" xmlns:m="http://schemas.openxmlformats.org/officeDocument/2006/math" xmlns:a14="http://schemas.microsoft.com/office/drawing/2010/main" xmlns:ma14="http://schemas.microsoft.com/office/mac/drawingml/2011/main" val="1"/>
+              <ma14:wrappingTextBoxFlag xmlns:ma14="http://schemas.microsoft.com/office/mac/drawingml/2011/main" xmlns:a14="http://schemas.microsoft.com/office/drawing/2010/main" xmlns:m="http://schemas.openxmlformats.org/officeDocument/2006/math" xmlns="" val="1"/>
             </a:ext>
           </a:extLst>
         </p:spPr>
@@ -21665,19 +21639,7 @@
           <a:p>
             <a:r>
               <a:rPr lang="ja-JP" altLang="en-US"/>
-              <a:t>逆向传播 </a:t>
-            </a:r>
-            <a:r>
-              <a:rPr lang="zh-CN" altLang="en-US" dirty="0"/>
-              <a:t>（</a:t>
-            </a:r>
-            <a:r>
-              <a:rPr lang="ja-JP" altLang="en-US"/>
-              <a:t>也及反向传播</a:t>
-            </a:r>
-            <a:r>
-              <a:rPr lang="zh-CN" altLang="en-US" dirty="0"/>
-              <a:t>）</a:t>
+              <a:t>反向传播</a:t>
             </a:r>
             <a:endParaRPr dirty="0"/>
           </a:p>
@@ -23392,8 +23354,9 @@
           <a:p>
             <a:r>
               <a:rPr lang="ja-JP" altLang="en-US"/>
-              <a:t>逆向传播 </a:t>
+              <a:t>反向传播</a:t>
             </a:r>
+            <a:endParaRPr lang="ja-JP" altLang="en-US" dirty="0"/>
           </a:p>
         </p:txBody>
       </p:sp>
@@ -25206,7 +25169,7 @@
           </a:ln>
           <a:extLst>
             <a:ext uri="{C572A759-6A51-4108-AA02-DFA0A04FC94B}">
-              <ma14:wrappingTextBoxFlag xmlns="" xmlns:m="http://schemas.openxmlformats.org/officeDocument/2006/math" xmlns:a14="http://schemas.microsoft.com/office/drawing/2010/main" xmlns:ma14="http://schemas.microsoft.com/office/mac/drawingml/2011/main" val="1"/>
+              <ma14:wrappingTextBoxFlag xmlns:ma14="http://schemas.microsoft.com/office/mac/drawingml/2011/main" xmlns:a14="http://schemas.microsoft.com/office/drawing/2010/main" xmlns:m="http://schemas.openxmlformats.org/officeDocument/2006/math" xmlns="" val="1"/>
             </a:ext>
           </a:extLst>
         </p:spPr>
@@ -25251,7 +25214,7 @@
           </a:ln>
           <a:extLst>
             <a:ext uri="{C572A759-6A51-4108-AA02-DFA0A04FC94B}">
-              <ma14:wrappingTextBoxFlag xmlns="" xmlns:m="http://schemas.openxmlformats.org/officeDocument/2006/math" xmlns:a14="http://schemas.microsoft.com/office/drawing/2010/main" xmlns:ma14="http://schemas.microsoft.com/office/mac/drawingml/2011/main" val="1"/>
+              <ma14:wrappingTextBoxFlag xmlns:ma14="http://schemas.microsoft.com/office/mac/drawingml/2011/main" xmlns:a14="http://schemas.microsoft.com/office/drawing/2010/main" xmlns:m="http://schemas.openxmlformats.org/officeDocument/2006/math" xmlns="" val="1"/>
             </a:ext>
           </a:extLst>
         </p:spPr>
@@ -25288,7 +25251,7 @@
           </a:ln>
           <a:extLst>
             <a:ext uri="{C572A759-6A51-4108-AA02-DFA0A04FC94B}">
-              <ma14:wrappingTextBoxFlag xmlns="" xmlns:m="http://schemas.openxmlformats.org/officeDocument/2006/math" xmlns:a14="http://schemas.microsoft.com/office/drawing/2010/main" xmlns:ma14="http://schemas.microsoft.com/office/mac/drawingml/2011/main" val="1"/>
+              <ma14:wrappingTextBoxFlag xmlns:ma14="http://schemas.microsoft.com/office/mac/drawingml/2011/main" xmlns:a14="http://schemas.microsoft.com/office/drawing/2010/main" xmlns:m="http://schemas.openxmlformats.org/officeDocument/2006/math" xmlns="" val="1"/>
             </a:ext>
           </a:extLst>
         </p:spPr>
@@ -25353,8 +25316,9 @@
           <a:p>
             <a:r>
               <a:rPr lang="ja-JP" altLang="en-US"/>
-              <a:t>逆向传播 </a:t>
+              <a:t>反向传播</a:t>
             </a:r>
+            <a:endParaRPr lang="ja-JP" altLang="en-US" dirty="0"/>
           </a:p>
         </p:txBody>
       </p:sp>
@@ -27167,7 +27131,7 @@
           </a:ln>
           <a:extLst>
             <a:ext uri="{C572A759-6A51-4108-AA02-DFA0A04FC94B}">
-              <ma14:wrappingTextBoxFlag xmlns="" xmlns:m="http://schemas.openxmlformats.org/officeDocument/2006/math" xmlns:a14="http://schemas.microsoft.com/office/drawing/2010/main" xmlns:ma14="http://schemas.microsoft.com/office/mac/drawingml/2011/main" val="1"/>
+              <ma14:wrappingTextBoxFlag xmlns:ma14="http://schemas.microsoft.com/office/mac/drawingml/2011/main" xmlns:a14="http://schemas.microsoft.com/office/drawing/2010/main" xmlns:m="http://schemas.openxmlformats.org/officeDocument/2006/math" xmlns="" val="1"/>
             </a:ext>
           </a:extLst>
         </p:spPr>
@@ -27212,7 +27176,7 @@
           </a:ln>
           <a:extLst>
             <a:ext uri="{C572A759-6A51-4108-AA02-DFA0A04FC94B}">
-              <ma14:wrappingTextBoxFlag xmlns="" xmlns:m="http://schemas.openxmlformats.org/officeDocument/2006/math" xmlns:a14="http://schemas.microsoft.com/office/drawing/2010/main" xmlns:ma14="http://schemas.microsoft.com/office/mac/drawingml/2011/main" val="1"/>
+              <ma14:wrappingTextBoxFlag xmlns:ma14="http://schemas.microsoft.com/office/mac/drawingml/2011/main" xmlns:a14="http://schemas.microsoft.com/office/drawing/2010/main" xmlns:m="http://schemas.openxmlformats.org/officeDocument/2006/math" xmlns="" val="1"/>
             </a:ext>
           </a:extLst>
         </p:spPr>
@@ -27249,7 +27213,7 @@
           </a:ln>
           <a:extLst>
             <a:ext uri="{C572A759-6A51-4108-AA02-DFA0A04FC94B}">
-              <ma14:wrappingTextBoxFlag xmlns="" xmlns:m="http://schemas.openxmlformats.org/officeDocument/2006/math" xmlns:a14="http://schemas.microsoft.com/office/drawing/2010/main" xmlns:ma14="http://schemas.microsoft.com/office/mac/drawingml/2011/main" val="1"/>
+              <ma14:wrappingTextBoxFlag xmlns:ma14="http://schemas.microsoft.com/office/mac/drawingml/2011/main" xmlns:a14="http://schemas.microsoft.com/office/drawing/2010/main" xmlns:m="http://schemas.openxmlformats.org/officeDocument/2006/math" xmlns="" val="1"/>
             </a:ext>
           </a:extLst>
         </p:spPr>
@@ -27292,7 +27256,7 @@
           </a:ln>
           <a:extLst>
             <a:ext uri="{C572A759-6A51-4108-AA02-DFA0A04FC94B}">
-              <ma14:wrappingTextBoxFlag xmlns="" xmlns:m="http://schemas.openxmlformats.org/officeDocument/2006/math" xmlns:a14="http://schemas.microsoft.com/office/drawing/2010/main" xmlns:ma14="http://schemas.microsoft.com/office/mac/drawingml/2011/main" val="1"/>
+              <ma14:wrappingTextBoxFlag xmlns:ma14="http://schemas.microsoft.com/office/mac/drawingml/2011/main" xmlns:a14="http://schemas.microsoft.com/office/drawing/2010/main" xmlns:m="http://schemas.openxmlformats.org/officeDocument/2006/math" xmlns="" val="1"/>
             </a:ext>
           </a:extLst>
         </p:spPr>
@@ -27536,9 +27500,9 @@
           <a:p>
             <a:r>
               <a:rPr lang="ja-JP" altLang="en-US"/>
-              <a:t>逆向传播 </a:t>
+              <a:t>反向传播</a:t>
             </a:r>
-            <a:endParaRPr dirty="0"/>
+            <a:endParaRPr lang="ja-JP" altLang="en-US" dirty="0"/>
           </a:p>
         </p:txBody>
       </p:sp>
@@ -29856,7 +29820,7 @@
           </a:ln>
           <a:extLst>
             <a:ext uri="{C572A759-6A51-4108-AA02-DFA0A04FC94B}">
-              <ma14:wrappingTextBoxFlag xmlns="" xmlns:m="http://schemas.openxmlformats.org/officeDocument/2006/math" xmlns:a14="http://schemas.microsoft.com/office/drawing/2010/main" xmlns:ma14="http://schemas.microsoft.com/office/mac/drawingml/2011/main" val="1"/>
+              <ma14:wrappingTextBoxFlag xmlns:ma14="http://schemas.microsoft.com/office/mac/drawingml/2011/main" xmlns:a14="http://schemas.microsoft.com/office/drawing/2010/main" xmlns:m="http://schemas.openxmlformats.org/officeDocument/2006/math" xmlns="" val="1"/>
             </a:ext>
           </a:extLst>
         </p:spPr>
@@ -29895,7 +29859,7 @@
           </a:ln>
           <a:extLst>
             <a:ext uri="{C572A759-6A51-4108-AA02-DFA0A04FC94B}">
-              <ma14:wrappingTextBoxFlag xmlns="" xmlns:m="http://schemas.openxmlformats.org/officeDocument/2006/math" xmlns:a14="http://schemas.microsoft.com/office/drawing/2010/main" xmlns:ma14="http://schemas.microsoft.com/office/mac/drawingml/2011/main" val="1"/>
+              <ma14:wrappingTextBoxFlag xmlns:ma14="http://schemas.microsoft.com/office/mac/drawingml/2011/main" xmlns:a14="http://schemas.microsoft.com/office/drawing/2010/main" xmlns:m="http://schemas.openxmlformats.org/officeDocument/2006/math" xmlns="" val="1"/>
             </a:ext>
           </a:extLst>
         </p:spPr>
@@ -29938,7 +29902,7 @@
           </a:ln>
           <a:extLst>
             <a:ext uri="{C572A759-6A51-4108-AA02-DFA0A04FC94B}">
-              <ma14:wrappingTextBoxFlag xmlns="" xmlns:m="http://schemas.openxmlformats.org/officeDocument/2006/math" xmlns:a14="http://schemas.microsoft.com/office/drawing/2010/main" xmlns:ma14="http://schemas.microsoft.com/office/mac/drawingml/2011/main" val="1"/>
+              <ma14:wrappingTextBoxFlag xmlns:ma14="http://schemas.microsoft.com/office/mac/drawingml/2011/main" xmlns:a14="http://schemas.microsoft.com/office/drawing/2010/main" xmlns:m="http://schemas.openxmlformats.org/officeDocument/2006/math" xmlns="" val="1"/>
             </a:ext>
           </a:extLst>
         </p:spPr>
@@ -30011,9 +29975,9 @@
           <a:p>
             <a:r>
               <a:rPr lang="ja-JP" altLang="en-US"/>
-              <a:t>逆向传播 </a:t>
+              <a:t>反向传播</a:t>
             </a:r>
-            <a:endParaRPr dirty="0"/>
+            <a:endParaRPr lang="ja-JP" altLang="en-US" dirty="0"/>
           </a:p>
         </p:txBody>
       </p:sp>
@@ -32658,7 +32622,7 @@
           </a:ln>
           <a:extLst>
             <a:ext uri="{C572A759-6A51-4108-AA02-DFA0A04FC94B}">
-              <ma14:wrappingTextBoxFlag xmlns="" xmlns:m="http://schemas.openxmlformats.org/officeDocument/2006/math" xmlns:a14="http://schemas.microsoft.com/office/drawing/2010/main" xmlns:ma14="http://schemas.microsoft.com/office/mac/drawingml/2011/main" val="1"/>
+              <ma14:wrappingTextBoxFlag xmlns:ma14="http://schemas.microsoft.com/office/mac/drawingml/2011/main" xmlns:a14="http://schemas.microsoft.com/office/drawing/2010/main" xmlns:m="http://schemas.openxmlformats.org/officeDocument/2006/math" xmlns="" val="1"/>
             </a:ext>
           </a:extLst>
         </p:spPr>
@@ -32697,7 +32661,7 @@
           </a:ln>
           <a:extLst>
             <a:ext uri="{C572A759-6A51-4108-AA02-DFA0A04FC94B}">
-              <ma14:wrappingTextBoxFlag xmlns="" xmlns:m="http://schemas.openxmlformats.org/officeDocument/2006/math" xmlns:a14="http://schemas.microsoft.com/office/drawing/2010/main" xmlns:ma14="http://schemas.microsoft.com/office/mac/drawingml/2011/main" val="1"/>
+              <ma14:wrappingTextBoxFlag xmlns:ma14="http://schemas.microsoft.com/office/mac/drawingml/2011/main" xmlns:a14="http://schemas.microsoft.com/office/drawing/2010/main" xmlns:m="http://schemas.openxmlformats.org/officeDocument/2006/math" xmlns="" val="1"/>
             </a:ext>
           </a:extLst>
         </p:spPr>
@@ -32740,7 +32704,7 @@
           </a:ln>
           <a:extLst>
             <a:ext uri="{C572A759-6A51-4108-AA02-DFA0A04FC94B}">
-              <ma14:wrappingTextBoxFlag xmlns="" xmlns:m="http://schemas.openxmlformats.org/officeDocument/2006/math" xmlns:a14="http://schemas.microsoft.com/office/drawing/2010/main" xmlns:ma14="http://schemas.microsoft.com/office/mac/drawingml/2011/main" val="1"/>
+              <ma14:wrappingTextBoxFlag xmlns:ma14="http://schemas.microsoft.com/office/mac/drawingml/2011/main" xmlns:a14="http://schemas.microsoft.com/office/drawing/2010/main" xmlns:m="http://schemas.openxmlformats.org/officeDocument/2006/math" xmlns="" val="1"/>
             </a:ext>
           </a:extLst>
         </p:spPr>
@@ -32808,12 +32772,22 @@
           </a:prstGeom>
         </p:spPr>
         <p:txBody>
-          <a:bodyPr/>
+          <a:bodyPr>
+            <a:normAutofit/>
+          </a:bodyPr>
           <a:lstStyle/>
           <a:p>
             <a:r>
               <a:rPr lang="ja-JP" altLang="en-US"/>
-              <a:t>逆向传播 总结</a:t>
+              <a:t>反向传播</a:t>
+            </a:r>
+            <a:r>
+              <a:rPr lang="zh-CN" altLang="en-US" dirty="0"/>
+              <a:t> </a:t>
+            </a:r>
+            <a:r>
+              <a:rPr lang="ja-JP" altLang="en-US"/>
+              <a:t>总结</a:t>
             </a:r>
             <a:endParaRPr dirty="0"/>
           </a:p>
@@ -33827,7 +33801,7 @@
           </a:ln>
           <a:extLst>
             <a:ext uri="{C572A759-6A51-4108-AA02-DFA0A04FC94B}">
-              <ma14:wrappingTextBoxFlag xmlns="" xmlns:m="http://schemas.openxmlformats.org/officeDocument/2006/math" xmlns:a14="http://schemas.microsoft.com/office/drawing/2010/main" xmlns:ma14="http://schemas.microsoft.com/office/mac/drawingml/2011/main" val="1"/>
+              <ma14:wrappingTextBoxFlag xmlns:ma14="http://schemas.microsoft.com/office/mac/drawingml/2011/main" xmlns:a14="http://schemas.microsoft.com/office/drawing/2010/main" xmlns:m="http://schemas.openxmlformats.org/officeDocument/2006/math" xmlns="" val="1"/>
             </a:ext>
           </a:extLst>
         </p:spPr>
@@ -33866,7 +33840,7 @@
           </a:ln>
           <a:extLst>
             <a:ext uri="{C572A759-6A51-4108-AA02-DFA0A04FC94B}">
-              <ma14:wrappingTextBoxFlag xmlns="" xmlns:m="http://schemas.openxmlformats.org/officeDocument/2006/math" xmlns:a14="http://schemas.microsoft.com/office/drawing/2010/main" xmlns:ma14="http://schemas.microsoft.com/office/mac/drawingml/2011/main" val="1"/>
+              <ma14:wrappingTextBoxFlag xmlns:ma14="http://schemas.microsoft.com/office/mac/drawingml/2011/main" xmlns:a14="http://schemas.microsoft.com/office/drawing/2010/main" xmlns:m="http://schemas.openxmlformats.org/officeDocument/2006/math" xmlns="" val="1"/>
             </a:ext>
           </a:extLst>
         </p:spPr>
@@ -33950,9 +33924,7 @@
           <p:nvPr/>
         </p:nvPicPr>
         <p:blipFill>
-          <a:blip r:embed="rId2">
-            <a:extLst/>
-          </a:blip>
+          <a:blip r:embed="rId2"/>
           <a:stretch>
             <a:fillRect/>
           </a:stretch>
@@ -34083,7 +34055,7 @@
             </a:pPr>
             <a:r>
               <a:rPr lang="ja-JP" altLang="en-US"/>
-              <a:t>逆向传播复杂度</a:t>
+              <a:t>反向传播复杂度</a:t>
             </a:r>
             <a:r>
               <a:rPr lang="zh-CN" altLang="en-US" dirty="0"/>
@@ -34482,7 +34454,7 @@
           </a:ln>
           <a:extLst>
             <a:ext uri="{C572A759-6A51-4108-AA02-DFA0A04FC94B}">
-              <ma14:wrappingTextBoxFlag xmlns="" xmlns:m="http://schemas.openxmlformats.org/officeDocument/2006/math" xmlns:a14="http://schemas.microsoft.com/office/drawing/2010/main" xmlns:ma14="http://schemas.microsoft.com/office/mac/drawingml/2011/main" val="1"/>
+              <ma14:wrappingTextBoxFlag xmlns:ma14="http://schemas.microsoft.com/office/mac/drawingml/2011/main" xmlns:a14="http://schemas.microsoft.com/office/drawing/2010/main" xmlns:m="http://schemas.openxmlformats.org/officeDocument/2006/math" xmlns="" val="1"/>
             </a:ext>
           </a:extLst>
         </p:spPr>
@@ -34523,7 +34495,7 @@
           </a:ln>
           <a:extLst>
             <a:ext uri="{C572A759-6A51-4108-AA02-DFA0A04FC94B}">
-              <ma14:wrappingTextBoxFlag xmlns="" xmlns:m="http://schemas.openxmlformats.org/officeDocument/2006/math" xmlns:a14="http://schemas.microsoft.com/office/drawing/2010/main" xmlns:ma14="http://schemas.microsoft.com/office/mac/drawingml/2011/main" val="1"/>
+              <ma14:wrappingTextBoxFlag xmlns:ma14="http://schemas.microsoft.com/office/mac/drawingml/2011/main" xmlns:a14="http://schemas.microsoft.com/office/drawing/2010/main" xmlns:m="http://schemas.openxmlformats.org/officeDocument/2006/math" xmlns="" val="1"/>
             </a:ext>
           </a:extLst>
         </p:spPr>
@@ -34602,7 +34574,7 @@
           </a:ln>
           <a:extLst>
             <a:ext uri="{C572A759-6A51-4108-AA02-DFA0A04FC94B}">
-              <ma14:wrappingTextBoxFlag xmlns="" xmlns:m="http://schemas.openxmlformats.org/officeDocument/2006/math" xmlns:a14="http://schemas.microsoft.com/office/drawing/2010/main" xmlns:ma14="http://schemas.microsoft.com/office/mac/drawingml/2011/main" val="1"/>
+              <ma14:wrappingTextBoxFlag xmlns:ma14="http://schemas.microsoft.com/office/mac/drawingml/2011/main" xmlns:a14="http://schemas.microsoft.com/office/drawing/2010/main" xmlns:m="http://schemas.openxmlformats.org/officeDocument/2006/math" xmlns="" val="1"/>
             </a:ext>
           </a:extLst>
         </p:spPr>
@@ -34651,7 +34623,7 @@
           </a:ln>
           <a:extLst>
             <a:ext uri="{C572A759-6A51-4108-AA02-DFA0A04FC94B}">
-              <ma14:wrappingTextBoxFlag xmlns="" xmlns:m="http://schemas.openxmlformats.org/officeDocument/2006/math" xmlns:a14="http://schemas.microsoft.com/office/drawing/2010/main" xmlns:ma14="http://schemas.microsoft.com/office/mac/drawingml/2011/main" val="1"/>
+              <ma14:wrappingTextBoxFlag xmlns:ma14="http://schemas.microsoft.com/office/mac/drawingml/2011/main" xmlns:a14="http://schemas.microsoft.com/office/drawing/2010/main" xmlns:m="http://schemas.openxmlformats.org/officeDocument/2006/math" xmlns="" val="1"/>
             </a:ext>
           </a:extLst>
         </p:spPr>
@@ -35594,7 +35566,7 @@
             <a:effectLst/>
             <a:extLst>
               <a:ext uri="{C572A759-6A51-4108-AA02-DFA0A04FC94B}">
-                <ma14:wrappingTextBoxFlag xmlns="" xmlns:m="http://schemas.openxmlformats.org/officeDocument/2006/math" xmlns:a14="http://schemas.microsoft.com/office/drawing/2010/main" xmlns:ma14="http://schemas.microsoft.com/office/mac/drawingml/2011/main" val="1"/>
+                <ma14:wrappingTextBoxFlag xmlns:ma14="http://schemas.microsoft.com/office/mac/drawingml/2011/main" xmlns:a14="http://schemas.microsoft.com/office/drawing/2010/main" xmlns:m="http://schemas.openxmlformats.org/officeDocument/2006/math" xmlns="" val="1"/>
               </a:ext>
             </a:extLst>
           </p:spPr>
@@ -37634,7 +37606,7 @@
             <a:effectLst/>
             <a:extLst>
               <a:ext uri="{C572A759-6A51-4108-AA02-DFA0A04FC94B}">
-                <ma14:wrappingTextBoxFlag xmlns="" xmlns:m="http://schemas.openxmlformats.org/officeDocument/2006/math" xmlns:a14="http://schemas.microsoft.com/office/drawing/2010/main" xmlns:ma14="http://schemas.microsoft.com/office/mac/drawingml/2011/main" val="1"/>
+                <ma14:wrappingTextBoxFlag xmlns:ma14="http://schemas.microsoft.com/office/mac/drawingml/2011/main" xmlns:a14="http://schemas.microsoft.com/office/drawing/2010/main" xmlns:m="http://schemas.openxmlformats.org/officeDocument/2006/math" xmlns="" val="1"/>
               </a:ext>
             </a:extLst>
           </p:spPr>
@@ -38712,7 +38684,7 @@
             <a:effectLst/>
             <a:extLst>
               <a:ext uri="{C572A759-6A51-4108-AA02-DFA0A04FC94B}">
-                <ma14:wrappingTextBoxFlag xmlns="" xmlns:m="http://schemas.openxmlformats.org/officeDocument/2006/math" xmlns:a14="http://schemas.microsoft.com/office/drawing/2010/main" xmlns:ma14="http://schemas.microsoft.com/office/mac/drawingml/2011/main" val="1"/>
+                <ma14:wrappingTextBoxFlag xmlns:ma14="http://schemas.microsoft.com/office/mac/drawingml/2011/main" xmlns:a14="http://schemas.microsoft.com/office/drawing/2010/main" xmlns:m="http://schemas.openxmlformats.org/officeDocument/2006/math" xmlns="" val="1"/>
               </a:ext>
             </a:extLst>
           </p:spPr>
@@ -39675,19 +39647,10 @@
             <a:endParaRPr lang="en-US" altLang="ja-JP" dirty="0"/>
           </a:p>
           <a:p>
-            <a:pPr>
-              <a:defRPr b="1"/>
-            </a:pPr>
             <a:r>
               <a:rPr lang="ja-JP" altLang="en-US"/>
-              <a:t>逆向传播</a:t>
+              <a:t>反向传播</a:t>
             </a:r>
-          </a:p>
-          <a:p>
-            <a:pPr marL="621631" lvl="1" indent="-240631">
-              <a:defRPr b="1"/>
-            </a:pPr>
-            <a:endParaRPr b="0" dirty="0"/>
           </a:p>
         </p:txBody>
       </p:sp>
@@ -42631,7 +42594,7 @@
           </a:ln>
           <a:extLst>
             <a:ext uri="{C572A759-6A51-4108-AA02-DFA0A04FC94B}">
-              <ma14:wrappingTextBoxFlag xmlns="" xmlns:m="http://schemas.openxmlformats.org/officeDocument/2006/math" xmlns:a14="http://schemas.microsoft.com/office/drawing/2010/main" xmlns:ma14="http://schemas.microsoft.com/office/mac/drawingml/2011/main" val="1"/>
+              <ma14:wrappingTextBoxFlag xmlns:ma14="http://schemas.microsoft.com/office/mac/drawingml/2011/main" xmlns:a14="http://schemas.microsoft.com/office/drawing/2010/main" xmlns:m="http://schemas.openxmlformats.org/officeDocument/2006/math" xmlns="" val="1"/>
             </a:ext>
           </a:extLst>
         </p:spPr>
@@ -42676,7 +42639,7 @@
           </a:ln>
           <a:extLst>
             <a:ext uri="{C572A759-6A51-4108-AA02-DFA0A04FC94B}">
-              <ma14:wrappingTextBoxFlag xmlns="" xmlns:m="http://schemas.openxmlformats.org/officeDocument/2006/math" xmlns:a14="http://schemas.microsoft.com/office/drawing/2010/main" xmlns:ma14="http://schemas.microsoft.com/office/mac/drawingml/2011/main" val="1"/>
+              <ma14:wrappingTextBoxFlag xmlns:ma14="http://schemas.microsoft.com/office/mac/drawingml/2011/main" xmlns:a14="http://schemas.microsoft.com/office/drawing/2010/main" xmlns:m="http://schemas.openxmlformats.org/officeDocument/2006/math" xmlns="" val="1"/>
             </a:ext>
           </a:extLst>
         </p:spPr>
@@ -44104,7 +44067,7 @@
           </a:ln>
           <a:extLst>
             <a:ext uri="{C572A759-6A51-4108-AA02-DFA0A04FC94B}">
-              <ma14:wrappingTextBoxFlag xmlns="" xmlns:m="http://schemas.openxmlformats.org/officeDocument/2006/math" xmlns:a14="http://schemas.microsoft.com/office/drawing/2010/main" xmlns:ma14="http://schemas.microsoft.com/office/mac/drawingml/2011/main" val="1"/>
+              <ma14:wrappingTextBoxFlag xmlns:ma14="http://schemas.microsoft.com/office/mac/drawingml/2011/main" xmlns:a14="http://schemas.microsoft.com/office/drawing/2010/main" xmlns:m="http://schemas.openxmlformats.org/officeDocument/2006/math" xmlns="" val="1"/>
             </a:ext>
           </a:extLst>
         </p:spPr>
@@ -44139,7 +44102,7 @@
           </a:ln>
           <a:extLst>
             <a:ext uri="{C572A759-6A51-4108-AA02-DFA0A04FC94B}">
-              <ma14:wrappingTextBoxFlag xmlns="" xmlns:m="http://schemas.openxmlformats.org/officeDocument/2006/math" xmlns:a14="http://schemas.microsoft.com/office/drawing/2010/main" xmlns:ma14="http://schemas.microsoft.com/office/mac/drawingml/2011/main" val="1"/>
+              <ma14:wrappingTextBoxFlag xmlns:ma14="http://schemas.microsoft.com/office/mac/drawingml/2011/main" xmlns:a14="http://schemas.microsoft.com/office/drawing/2010/main" xmlns:m="http://schemas.openxmlformats.org/officeDocument/2006/math" xmlns="" val="1"/>
             </a:ext>
           </a:extLst>
         </p:spPr>
@@ -44552,7 +44515,7 @@
           </a:ln>
           <a:extLst>
             <a:ext uri="{C572A759-6A51-4108-AA02-DFA0A04FC94B}">
-              <ma14:wrappingTextBoxFlag xmlns="" xmlns:m="http://schemas.openxmlformats.org/officeDocument/2006/math" xmlns:a14="http://schemas.microsoft.com/office/drawing/2010/main" xmlns:ma14="http://schemas.microsoft.com/office/mac/drawingml/2011/main" val="1"/>
+              <ma14:wrappingTextBoxFlag xmlns:ma14="http://schemas.microsoft.com/office/mac/drawingml/2011/main" xmlns:a14="http://schemas.microsoft.com/office/drawing/2010/main" xmlns:m="http://schemas.openxmlformats.org/officeDocument/2006/math" xmlns="" val="1"/>
             </a:ext>
           </a:extLst>
         </p:spPr>
@@ -44975,7 +44938,7 @@
           </a:ln>
           <a:extLst>
             <a:ext uri="{C572A759-6A51-4108-AA02-DFA0A04FC94B}">
-              <ma14:wrappingTextBoxFlag xmlns="" xmlns:m="http://schemas.openxmlformats.org/officeDocument/2006/math" xmlns:a14="http://schemas.microsoft.com/office/drawing/2010/main" xmlns:ma14="http://schemas.microsoft.com/office/mac/drawingml/2011/main" val="1"/>
+              <ma14:wrappingTextBoxFlag xmlns:ma14="http://schemas.microsoft.com/office/mac/drawingml/2011/main" xmlns:a14="http://schemas.microsoft.com/office/drawing/2010/main" xmlns:m="http://schemas.openxmlformats.org/officeDocument/2006/math" xmlns="" val="1"/>
             </a:ext>
           </a:extLst>
         </p:spPr>
@@ -46570,7 +46533,7 @@
           </a:ln>
           <a:extLst>
             <a:ext uri="{C572A759-6A51-4108-AA02-DFA0A04FC94B}">
-              <ma14:wrappingTextBoxFlag xmlns="" xmlns:m="http://schemas.openxmlformats.org/officeDocument/2006/math" xmlns:a14="http://schemas.microsoft.com/office/drawing/2010/main" xmlns:ma14="http://schemas.microsoft.com/office/mac/drawingml/2011/main" val="1"/>
+              <ma14:wrappingTextBoxFlag xmlns:ma14="http://schemas.microsoft.com/office/mac/drawingml/2011/main" xmlns:a14="http://schemas.microsoft.com/office/drawing/2010/main" xmlns:m="http://schemas.openxmlformats.org/officeDocument/2006/math" xmlns="" val="1"/>
             </a:ext>
           </a:extLst>
         </p:spPr>
@@ -46615,7 +46578,7 @@
           </a:ln>
           <a:extLst>
             <a:ext uri="{C572A759-6A51-4108-AA02-DFA0A04FC94B}">
-              <ma14:wrappingTextBoxFlag xmlns="" xmlns:m="http://schemas.openxmlformats.org/officeDocument/2006/math" xmlns:a14="http://schemas.microsoft.com/office/drawing/2010/main" xmlns:ma14="http://schemas.microsoft.com/office/mac/drawingml/2011/main" val="1"/>
+              <ma14:wrappingTextBoxFlag xmlns:ma14="http://schemas.microsoft.com/office/mac/drawingml/2011/main" xmlns:a14="http://schemas.microsoft.com/office/drawing/2010/main" xmlns:m="http://schemas.openxmlformats.org/officeDocument/2006/math" xmlns="" val="1"/>
             </a:ext>
           </a:extLst>
         </p:spPr>
@@ -46660,7 +46623,7 @@
           </a:ln>
           <a:extLst>
             <a:ext uri="{C572A759-6A51-4108-AA02-DFA0A04FC94B}">
-              <ma14:wrappingTextBoxFlag xmlns="" xmlns:m="http://schemas.openxmlformats.org/officeDocument/2006/math" xmlns:a14="http://schemas.microsoft.com/office/drawing/2010/main" xmlns:ma14="http://schemas.microsoft.com/office/mac/drawingml/2011/main" val="1"/>
+              <ma14:wrappingTextBoxFlag xmlns:ma14="http://schemas.microsoft.com/office/mac/drawingml/2011/main" xmlns:a14="http://schemas.microsoft.com/office/drawing/2010/main" xmlns:m="http://schemas.openxmlformats.org/officeDocument/2006/math" xmlns="" val="1"/>
             </a:ext>
           </a:extLst>
         </p:spPr>
@@ -46705,7 +46668,7 @@
           </a:ln>
           <a:extLst>
             <a:ext uri="{C572A759-6A51-4108-AA02-DFA0A04FC94B}">
-              <ma14:wrappingTextBoxFlag xmlns="" xmlns:m="http://schemas.openxmlformats.org/officeDocument/2006/math" xmlns:a14="http://schemas.microsoft.com/office/drawing/2010/main" xmlns:ma14="http://schemas.microsoft.com/office/mac/drawingml/2011/main" val="1"/>
+              <ma14:wrappingTextBoxFlag xmlns:ma14="http://schemas.microsoft.com/office/mac/drawingml/2011/main" xmlns:a14="http://schemas.microsoft.com/office/drawing/2010/main" xmlns:m="http://schemas.openxmlformats.org/officeDocument/2006/math" xmlns="" val="1"/>
             </a:ext>
           </a:extLst>
         </p:spPr>
